--- a/presentacionTFM.pptx
+++ b/presentacionTFM.pptx
@@ -125,6 +125,11 @@
       </a:defRPr>
     </a:lvl9pPr>
   </p:defaultTextStyle>
+  <p:extLst>
+    <p:ext uri="{EFAFB233-063F-42B5-8137-9DF3F51BA10A}">
+      <p15:sldGuideLst xmlns:p15="http://schemas.microsoft.com/office/powerpoint/2012/main"/>
+    </p:ext>
+  </p:extLst>
 </p:presentation>
 </file>
 
@@ -259,7 +264,7 @@
           <a:p>
             <a:fld id="{F96E288E-3AE3-4B1E-9076-D3FF90497D59}" type="datetimeFigureOut">
               <a:rPr lang="es-ES" smtClean="0"/>
-              <a:t>12/12/2019</a:t>
+              <a:t>13/12/2019</a:t>
             </a:fld>
             <a:endParaRPr lang="es-ES"/>
           </a:p>
@@ -429,7 +434,7 @@
           <a:p>
             <a:fld id="{F96E288E-3AE3-4B1E-9076-D3FF90497D59}" type="datetimeFigureOut">
               <a:rPr lang="es-ES" smtClean="0"/>
-              <a:t>12/12/2019</a:t>
+              <a:t>13/12/2019</a:t>
             </a:fld>
             <a:endParaRPr lang="es-ES"/>
           </a:p>
@@ -609,7 +614,7 @@
           <a:p>
             <a:fld id="{F96E288E-3AE3-4B1E-9076-D3FF90497D59}" type="datetimeFigureOut">
               <a:rPr lang="es-ES" smtClean="0"/>
-              <a:t>12/12/2019</a:t>
+              <a:t>13/12/2019</a:t>
             </a:fld>
             <a:endParaRPr lang="es-ES"/>
           </a:p>
@@ -779,7 +784,7 @@
           <a:p>
             <a:fld id="{F96E288E-3AE3-4B1E-9076-D3FF90497D59}" type="datetimeFigureOut">
               <a:rPr lang="es-ES" smtClean="0"/>
-              <a:t>12/12/2019</a:t>
+              <a:t>13/12/2019</a:t>
             </a:fld>
             <a:endParaRPr lang="es-ES"/>
           </a:p>
@@ -1025,7 +1030,7 @@
           <a:p>
             <a:fld id="{F96E288E-3AE3-4B1E-9076-D3FF90497D59}" type="datetimeFigureOut">
               <a:rPr lang="es-ES" smtClean="0"/>
-              <a:t>12/12/2019</a:t>
+              <a:t>13/12/2019</a:t>
             </a:fld>
             <a:endParaRPr lang="es-ES"/>
           </a:p>
@@ -1257,7 +1262,7 @@
           <a:p>
             <a:fld id="{F96E288E-3AE3-4B1E-9076-D3FF90497D59}" type="datetimeFigureOut">
               <a:rPr lang="es-ES" smtClean="0"/>
-              <a:t>12/12/2019</a:t>
+              <a:t>13/12/2019</a:t>
             </a:fld>
             <a:endParaRPr lang="es-ES"/>
           </a:p>
@@ -1624,7 +1629,7 @@
           <a:p>
             <a:fld id="{F96E288E-3AE3-4B1E-9076-D3FF90497D59}" type="datetimeFigureOut">
               <a:rPr lang="es-ES" smtClean="0"/>
-              <a:t>12/12/2019</a:t>
+              <a:t>13/12/2019</a:t>
             </a:fld>
             <a:endParaRPr lang="es-ES"/>
           </a:p>
@@ -1742,7 +1747,7 @@
           <a:p>
             <a:fld id="{F96E288E-3AE3-4B1E-9076-D3FF90497D59}" type="datetimeFigureOut">
               <a:rPr lang="es-ES" smtClean="0"/>
-              <a:t>12/12/2019</a:t>
+              <a:t>13/12/2019</a:t>
             </a:fld>
             <a:endParaRPr lang="es-ES"/>
           </a:p>
@@ -1837,7 +1842,7 @@
           <a:p>
             <a:fld id="{F96E288E-3AE3-4B1E-9076-D3FF90497D59}" type="datetimeFigureOut">
               <a:rPr lang="es-ES" smtClean="0"/>
-              <a:t>12/12/2019</a:t>
+              <a:t>13/12/2019</a:t>
             </a:fld>
             <a:endParaRPr lang="es-ES"/>
           </a:p>
@@ -2114,7 +2119,7 @@
           <a:p>
             <a:fld id="{F96E288E-3AE3-4B1E-9076-D3FF90497D59}" type="datetimeFigureOut">
               <a:rPr lang="es-ES" smtClean="0"/>
-              <a:t>12/12/2019</a:t>
+              <a:t>13/12/2019</a:t>
             </a:fld>
             <a:endParaRPr lang="es-ES"/>
           </a:p>
@@ -2367,7 +2372,7 @@
           <a:p>
             <a:fld id="{F96E288E-3AE3-4B1E-9076-D3FF90497D59}" type="datetimeFigureOut">
               <a:rPr lang="es-ES" smtClean="0"/>
-              <a:t>12/12/2019</a:t>
+              <a:t>13/12/2019</a:t>
             </a:fld>
             <a:endParaRPr lang="es-ES"/>
           </a:p>
@@ -2580,7 +2585,7 @@
           <a:p>
             <a:fld id="{F96E288E-3AE3-4B1E-9076-D3FF90497D59}" type="datetimeFigureOut">
               <a:rPr lang="es-ES" smtClean="0"/>
-              <a:t>12/12/2019</a:t>
+              <a:t>13/12/2019</a:t>
             </a:fld>
             <a:endParaRPr lang="es-ES"/>
           </a:p>
@@ -2971,6 +2976,28 @@
 <file path=ppt/slides/slide1.xml><?xml version="1.0" encoding="utf-8"?>
 <p:sld xmlns:a="http://schemas.openxmlformats.org/drawingml/2006/main" xmlns:r="http://schemas.openxmlformats.org/officeDocument/2006/relationships" xmlns:p="http://schemas.openxmlformats.org/presentationml/2006/main">
   <p:cSld>
+    <p:bg>
+      <p:bgPr>
+        <a:gradFill flip="none" rotWithShape="1">
+          <a:gsLst>
+            <a:gs pos="0">
+              <a:schemeClr val="accent1">
+                <a:lumMod val="0"/>
+                <a:lumOff val="100000"/>
+              </a:schemeClr>
+            </a:gs>
+            <a:gs pos="100000">
+              <a:srgbClr val="CEE1F2"/>
+            </a:gs>
+          </a:gsLst>
+          <a:path path="circle">
+            <a:fillToRect l="100000" t="100000"/>
+          </a:path>
+          <a:tileRect r="-100000" b="-100000"/>
+        </a:gradFill>
+        <a:effectLst/>
+      </p:bgPr>
+    </p:bg>
     <p:spTree>
       <p:nvGrpSpPr>
         <p:cNvPr id="1" name=""/>
@@ -3117,6 +3144,27 @@
 <file path=ppt/slides/slide10.xml><?xml version="1.0" encoding="utf-8"?>
 <p:sld xmlns:a="http://schemas.openxmlformats.org/drawingml/2006/main" xmlns:r="http://schemas.openxmlformats.org/officeDocument/2006/relationships" xmlns:p="http://schemas.openxmlformats.org/presentationml/2006/main">
   <p:cSld>
+    <p:bg>
+      <p:bgPr>
+        <a:gradFill>
+          <a:gsLst>
+            <a:gs pos="0">
+              <a:schemeClr val="accent1">
+                <a:lumMod val="0"/>
+                <a:lumOff val="100000"/>
+              </a:schemeClr>
+            </a:gs>
+            <a:gs pos="100000">
+              <a:srgbClr val="CEE1F2"/>
+            </a:gs>
+          </a:gsLst>
+          <a:path path="circle">
+            <a:fillToRect l="100000" t="100000"/>
+          </a:path>
+        </a:gradFill>
+        <a:effectLst/>
+      </p:bgPr>
+    </p:bg>
     <p:spTree>
       <p:nvGrpSpPr>
         <p:cNvPr id="1" name=""/>
@@ -3141,7 +3189,12 @@
             <p:ph type="title"/>
           </p:nvPr>
         </p:nvSpPr>
-        <p:spPr/>
+        <p:spPr>
+          <a:xfrm>
+            <a:off x="838200" y="682625"/>
+            <a:ext cx="10515600" cy="1325563"/>
+          </a:xfrm>
+        </p:spPr>
         <p:txBody>
           <a:bodyPr/>
           <a:lstStyle/>
@@ -3166,7 +3219,7 @@
         </p:nvSpPr>
         <p:spPr>
           <a:xfrm>
-            <a:off x="838200" y="1825626"/>
+            <a:off x="838200" y="2486026"/>
             <a:ext cx="10515600" cy="3227638"/>
           </a:xfrm>
         </p:spPr>
@@ -3552,6 +3605,44 @@
           </a:p>
         </p:txBody>
       </p:sp>
+      <p:cxnSp>
+        <p:nvCxnSpPr>
+          <p:cNvPr id="5" name="Conector recto 4"/>
+          <p:cNvCxnSpPr/>
+          <p:nvPr/>
+        </p:nvCxnSpPr>
+        <p:spPr>
+          <a:xfrm>
+            <a:off x="838200" y="1563688"/>
+            <a:ext cx="10668000" cy="0"/>
+          </a:xfrm>
+          <a:prstGeom prst="line">
+            <a:avLst/>
+          </a:prstGeom>
+          <a:ln>
+            <a:solidFill>
+              <a:schemeClr val="accent1">
+                <a:lumMod val="40000"/>
+                <a:lumOff val="60000"/>
+              </a:schemeClr>
+            </a:solidFill>
+          </a:ln>
+        </p:spPr>
+        <p:style>
+          <a:lnRef idx="1">
+            <a:schemeClr val="accent1"/>
+          </a:lnRef>
+          <a:fillRef idx="0">
+            <a:schemeClr val="accent1"/>
+          </a:fillRef>
+          <a:effectRef idx="0">
+            <a:schemeClr val="accent1"/>
+          </a:effectRef>
+          <a:fontRef idx="minor">
+            <a:schemeClr val="tx1"/>
+          </a:fontRef>
+        </p:style>
+      </p:cxnSp>
     </p:spTree>
     <p:extLst>
       <p:ext uri="{BB962C8B-B14F-4D97-AF65-F5344CB8AC3E}">
@@ -3636,7 +3727,6 @@
               <a:rPr lang="es-ES" sz="1400" dirty="0" smtClean="0"/>
               <a:t>- Predice 46 % de las transacciones pero sólo el 11% de las transacciones están contenidas en la predicción (recall)</a:t>
             </a:r>
-            <a:endParaRPr lang="es-ES" sz="1400" dirty="0" smtClean="0"/>
           </a:p>
         </p:txBody>
       </p:sp>
@@ -3807,7 +3897,9 @@
             <a:r>
               <a:rPr lang="es-ES" sz="1400" b="1" dirty="0" smtClean="0">
                 <a:solidFill>
-                  <a:srgbClr val="00B050"/>
+                  <a:schemeClr val="accent1">
+                    <a:lumMod val="75000"/>
+                  </a:schemeClr>
                 </a:solidFill>
               </a:rPr>
               <a:t>Ciudad</a:t>
@@ -3818,7 +3910,9 @@
             <a:r>
               <a:rPr lang="es-ES" sz="1400" b="1" dirty="0" err="1" smtClean="0">
                 <a:solidFill>
-                  <a:srgbClr val="00B050"/>
+                  <a:schemeClr val="accent1">
+                    <a:lumMod val="75000"/>
+                  </a:schemeClr>
                 </a:solidFill>
               </a:rPr>
               <a:t>Categoria</a:t>
@@ -3826,7 +3920,9 @@
             <a:r>
               <a:rPr lang="es-ES" sz="1400" b="1" dirty="0" smtClean="0">
                 <a:solidFill>
-                  <a:srgbClr val="00B050"/>
+                  <a:schemeClr val="accent1">
+                    <a:lumMod val="75000"/>
+                  </a:schemeClr>
                 </a:solidFill>
               </a:rPr>
               <a:t> dispositivo</a:t>
@@ -4066,7 +4162,9 @@
             <a:r>
               <a:rPr lang="es-ES" sz="1400" b="1" dirty="0" smtClean="0">
                 <a:solidFill>
-                  <a:srgbClr val="00B050"/>
+                  <a:schemeClr val="accent1">
+                    <a:lumMod val="75000"/>
+                  </a:schemeClr>
                 </a:solidFill>
               </a:rPr>
               <a:t>Visitas únicas</a:t>
@@ -4077,7 +4175,9 @@
             <a:r>
               <a:rPr lang="es-ES" sz="1400" b="1" dirty="0" smtClean="0">
                 <a:solidFill>
-                  <a:srgbClr val="00B050"/>
+                  <a:schemeClr val="accent1">
+                    <a:lumMod val="75000"/>
+                  </a:schemeClr>
                 </a:solidFill>
               </a:rPr>
               <a:t>Tiempo en web</a:t>
@@ -4088,19 +4188,61 @@
             <a:r>
               <a:rPr lang="es-ES" sz="1400" b="1" dirty="0" smtClean="0">
                 <a:solidFill>
-                  <a:srgbClr val="00B050"/>
+                  <a:schemeClr val="accent1">
+                    <a:lumMod val="75000"/>
+                  </a:schemeClr>
                 </a:solidFill>
               </a:rPr>
               <a:t>Calidad sesión</a:t>
             </a:r>
             <a:endParaRPr lang="es-ES" b="1" dirty="0">
               <a:solidFill>
-                <a:srgbClr val="00B050"/>
+                <a:schemeClr val="accent1">
+                  <a:lumMod val="75000"/>
+                </a:schemeClr>
               </a:solidFill>
             </a:endParaRPr>
           </a:p>
         </p:txBody>
       </p:sp>
+      <p:cxnSp>
+        <p:nvCxnSpPr>
+          <p:cNvPr id="5" name="Conector recto 4"/>
+          <p:cNvCxnSpPr/>
+          <p:nvPr/>
+        </p:nvCxnSpPr>
+        <p:spPr>
+          <a:xfrm>
+            <a:off x="838200" y="1563688"/>
+            <a:ext cx="10668000" cy="0"/>
+          </a:xfrm>
+          <a:prstGeom prst="line">
+            <a:avLst/>
+          </a:prstGeom>
+          <a:ln>
+            <a:solidFill>
+              <a:schemeClr val="accent1">
+                <a:lumMod val="40000"/>
+                <a:lumOff val="60000"/>
+              </a:schemeClr>
+            </a:solidFill>
+          </a:ln>
+        </p:spPr>
+        <p:style>
+          <a:lnRef idx="1">
+            <a:schemeClr val="accent1"/>
+          </a:lnRef>
+          <a:fillRef idx="0">
+            <a:schemeClr val="accent1"/>
+          </a:fillRef>
+          <a:effectRef idx="0">
+            <a:schemeClr val="accent1"/>
+          </a:effectRef>
+          <a:fontRef idx="minor">
+            <a:schemeClr val="tx1"/>
+          </a:fontRef>
+        </p:style>
+      </p:cxnSp>
     </p:spTree>
     <p:extLst>
       <p:ext uri="{BB962C8B-B14F-4D97-AF65-F5344CB8AC3E}">
@@ -4185,7 +4327,6 @@
               <a:rPr lang="es-ES" sz="1400" dirty="0" smtClean="0"/>
               <a:t>- Predice 32 % de las transacciones pero sólo el 0,04% de las transacciones están contenidas en la predicción (recall)</a:t>
             </a:r>
-            <a:endParaRPr lang="es-ES" sz="1400" dirty="0" smtClean="0"/>
           </a:p>
         </p:txBody>
       </p:sp>
@@ -4365,7 +4506,9 @@
             <a:r>
               <a:rPr lang="es-ES" sz="1400" b="1" strike="sngStrike" dirty="0" smtClean="0">
                 <a:solidFill>
-                  <a:srgbClr val="00B050"/>
+                  <a:schemeClr val="accent1">
+                    <a:lumMod val="75000"/>
+                  </a:schemeClr>
                 </a:solidFill>
               </a:rPr>
               <a:t>Ciudad</a:t>
@@ -4376,7 +4519,9 @@
             <a:r>
               <a:rPr lang="es-ES" sz="1400" b="1" strike="sngStrike" dirty="0" err="1" smtClean="0">
                 <a:solidFill>
-                  <a:srgbClr val="00B050"/>
+                  <a:schemeClr val="accent1">
+                    <a:lumMod val="75000"/>
+                  </a:schemeClr>
                 </a:solidFill>
               </a:rPr>
               <a:t>Categoria</a:t>
@@ -4384,7 +4529,9 @@
             <a:r>
               <a:rPr lang="es-ES" sz="1400" b="1" strike="sngStrike" dirty="0" smtClean="0">
                 <a:solidFill>
-                  <a:srgbClr val="00B050"/>
+                  <a:schemeClr val="accent1">
+                    <a:lumMod val="75000"/>
+                  </a:schemeClr>
                 </a:solidFill>
               </a:rPr>
               <a:t> dispositivo</a:t>
@@ -4624,7 +4771,9 @@
             <a:r>
               <a:rPr lang="es-ES" sz="1400" b="1" dirty="0" smtClean="0">
                 <a:solidFill>
-                  <a:srgbClr val="00B050"/>
+                  <a:schemeClr val="accent1">
+                    <a:lumMod val="75000"/>
+                  </a:schemeClr>
                 </a:solidFill>
               </a:rPr>
               <a:t>Visitas únicas</a:t>
@@ -4635,7 +4784,9 @@
             <a:r>
               <a:rPr lang="es-ES" sz="1400" b="1" dirty="0" smtClean="0">
                 <a:solidFill>
-                  <a:srgbClr val="00B050"/>
+                  <a:schemeClr val="accent1">
+                    <a:lumMod val="75000"/>
+                  </a:schemeClr>
                 </a:solidFill>
               </a:rPr>
               <a:t>Tiempo en web</a:t>
@@ -4646,19 +4797,61 @@
             <a:r>
               <a:rPr lang="es-ES" sz="1400" b="1" dirty="0" smtClean="0">
                 <a:solidFill>
-                  <a:srgbClr val="00B050"/>
+                  <a:schemeClr val="accent1">
+                    <a:lumMod val="75000"/>
+                  </a:schemeClr>
                 </a:solidFill>
               </a:rPr>
               <a:t>Calidad sesión</a:t>
             </a:r>
             <a:endParaRPr lang="es-ES" b="1" dirty="0">
               <a:solidFill>
-                <a:srgbClr val="00B050"/>
+                <a:schemeClr val="accent1">
+                  <a:lumMod val="75000"/>
+                </a:schemeClr>
               </a:solidFill>
             </a:endParaRPr>
           </a:p>
         </p:txBody>
       </p:sp>
+      <p:cxnSp>
+        <p:nvCxnSpPr>
+          <p:cNvPr id="5" name="Conector recto 4"/>
+          <p:cNvCxnSpPr/>
+          <p:nvPr/>
+        </p:nvCxnSpPr>
+        <p:spPr>
+          <a:xfrm>
+            <a:off x="838200" y="1563688"/>
+            <a:ext cx="10668000" cy="0"/>
+          </a:xfrm>
+          <a:prstGeom prst="line">
+            <a:avLst/>
+          </a:prstGeom>
+          <a:ln>
+            <a:solidFill>
+              <a:schemeClr val="accent1">
+                <a:lumMod val="40000"/>
+                <a:lumOff val="60000"/>
+              </a:schemeClr>
+            </a:solidFill>
+          </a:ln>
+        </p:spPr>
+        <p:style>
+          <a:lnRef idx="1">
+            <a:schemeClr val="accent1"/>
+          </a:lnRef>
+          <a:fillRef idx="0">
+            <a:schemeClr val="accent1"/>
+          </a:fillRef>
+          <a:effectRef idx="0">
+            <a:schemeClr val="accent1"/>
+          </a:effectRef>
+          <a:fontRef idx="minor">
+            <a:schemeClr val="tx1"/>
+          </a:fontRef>
+        </p:style>
+      </p:cxnSp>
     </p:spTree>
     <p:extLst>
       <p:ext uri="{BB962C8B-B14F-4D97-AF65-F5344CB8AC3E}">
@@ -4743,7 +4936,6 @@
               <a:rPr lang="es-ES" sz="1400" dirty="0" smtClean="0"/>
               <a:t>- Predice 40 % de las transacciones pero sólo el 0,07% de las transacciones están contenidas en la predicción (recall)</a:t>
             </a:r>
-            <a:endParaRPr lang="es-ES" sz="1400" dirty="0" smtClean="0"/>
           </a:p>
         </p:txBody>
       </p:sp>
@@ -5415,6 +5607,44 @@
           </a:p>
         </p:txBody>
       </p:sp>
+      <p:cxnSp>
+        <p:nvCxnSpPr>
+          <p:cNvPr id="8" name="Conector recto 7"/>
+          <p:cNvCxnSpPr/>
+          <p:nvPr/>
+        </p:nvCxnSpPr>
+        <p:spPr>
+          <a:xfrm>
+            <a:off x="838200" y="1563688"/>
+            <a:ext cx="10668000" cy="0"/>
+          </a:xfrm>
+          <a:prstGeom prst="line">
+            <a:avLst/>
+          </a:prstGeom>
+          <a:ln>
+            <a:solidFill>
+              <a:schemeClr val="accent1">
+                <a:lumMod val="40000"/>
+                <a:lumOff val="60000"/>
+              </a:schemeClr>
+            </a:solidFill>
+          </a:ln>
+        </p:spPr>
+        <p:style>
+          <a:lnRef idx="1">
+            <a:schemeClr val="accent1"/>
+          </a:lnRef>
+          <a:fillRef idx="0">
+            <a:schemeClr val="accent1"/>
+          </a:fillRef>
+          <a:effectRef idx="0">
+            <a:schemeClr val="accent1"/>
+          </a:effectRef>
+          <a:fontRef idx="minor">
+            <a:schemeClr val="tx1"/>
+          </a:fontRef>
+        </p:style>
+      </p:cxnSp>
     </p:spTree>
     <p:extLst>
       <p:ext uri="{BB962C8B-B14F-4D97-AF65-F5344CB8AC3E}">
@@ -5499,7 +5729,6 @@
               <a:rPr lang="es-ES" sz="1400" dirty="0" smtClean="0"/>
               <a:t>- Predice 18 % de las transacciones con un recall del 97%</a:t>
             </a:r>
-            <a:endParaRPr lang="es-ES" sz="1400" dirty="0" smtClean="0"/>
           </a:p>
         </p:txBody>
       </p:sp>
@@ -5692,6 +5921,14 @@
 <file path=ppt/slides/slide2.xml><?xml version="1.0" encoding="utf-8"?>
 <p:sld xmlns:a="http://schemas.openxmlformats.org/drawingml/2006/main" xmlns:r="http://schemas.openxmlformats.org/officeDocument/2006/relationships" xmlns:p="http://schemas.openxmlformats.org/presentationml/2006/main">
   <p:cSld>
+    <p:bg>
+      <p:bgPr>
+        <a:solidFill>
+          <a:schemeClr val="bg1"/>
+        </a:solidFill>
+        <a:effectLst/>
+      </p:bgPr>
+    </p:bg>
     <p:spTree>
       <p:nvGrpSpPr>
         <p:cNvPr id="1" name=""/>
@@ -5815,6 +6052,44 @@
           </a:p>
         </p:txBody>
       </p:sp>
+      <p:cxnSp>
+        <p:nvCxnSpPr>
+          <p:cNvPr id="5" name="Conector recto 4"/>
+          <p:cNvCxnSpPr/>
+          <p:nvPr/>
+        </p:nvCxnSpPr>
+        <p:spPr>
+          <a:xfrm>
+            <a:off x="838200" y="1563688"/>
+            <a:ext cx="10668000" cy="0"/>
+          </a:xfrm>
+          <a:prstGeom prst="line">
+            <a:avLst/>
+          </a:prstGeom>
+          <a:ln>
+            <a:solidFill>
+              <a:schemeClr val="accent1">
+                <a:lumMod val="40000"/>
+                <a:lumOff val="60000"/>
+              </a:schemeClr>
+            </a:solidFill>
+          </a:ln>
+        </p:spPr>
+        <p:style>
+          <a:lnRef idx="1">
+            <a:schemeClr val="accent1"/>
+          </a:lnRef>
+          <a:fillRef idx="0">
+            <a:schemeClr val="accent1"/>
+          </a:fillRef>
+          <a:effectRef idx="0">
+            <a:schemeClr val="accent1"/>
+          </a:effectRef>
+          <a:fontRef idx="minor">
+            <a:schemeClr val="tx1"/>
+          </a:fontRef>
+        </p:style>
+      </p:cxnSp>
     </p:spTree>
     <p:extLst>
       <p:ext uri="{BB962C8B-B14F-4D97-AF65-F5344CB8AC3E}">
@@ -5922,6 +6197,44 @@
           </a:p>
         </p:txBody>
       </p:sp>
+      <p:cxnSp>
+        <p:nvCxnSpPr>
+          <p:cNvPr id="4" name="Conector recto 3"/>
+          <p:cNvCxnSpPr/>
+          <p:nvPr/>
+        </p:nvCxnSpPr>
+        <p:spPr>
+          <a:xfrm>
+            <a:off x="838200" y="1563688"/>
+            <a:ext cx="10668000" cy="0"/>
+          </a:xfrm>
+          <a:prstGeom prst="line">
+            <a:avLst/>
+          </a:prstGeom>
+          <a:ln>
+            <a:solidFill>
+              <a:schemeClr val="accent1">
+                <a:lumMod val="40000"/>
+                <a:lumOff val="60000"/>
+              </a:schemeClr>
+            </a:solidFill>
+          </a:ln>
+        </p:spPr>
+        <p:style>
+          <a:lnRef idx="1">
+            <a:schemeClr val="accent1"/>
+          </a:lnRef>
+          <a:fillRef idx="0">
+            <a:schemeClr val="accent1"/>
+          </a:fillRef>
+          <a:effectRef idx="0">
+            <a:schemeClr val="accent1"/>
+          </a:effectRef>
+          <a:fontRef idx="minor">
+            <a:schemeClr val="tx1"/>
+          </a:fontRef>
+        </p:style>
+      </p:cxnSp>
     </p:spTree>
     <p:extLst>
       <p:ext uri="{BB962C8B-B14F-4D97-AF65-F5344CB8AC3E}">
@@ -5999,46 +6312,121 @@
           <a:p>
             <a:r>
               <a:rPr lang="es-ES" sz="2000" dirty="0" smtClean="0"/>
-              <a:t>Aumento del conocimiento del </a:t>
-            </a:r>
-            <a:r>
-              <a:rPr lang="es-ES" sz="2000" dirty="0" err="1" smtClean="0"/>
+              <a:t>Aumento del </a:t>
+            </a:r>
+            <a:r>
+              <a:rPr lang="es-ES" sz="2000" b="1" dirty="0" smtClean="0">
+                <a:solidFill>
+                  <a:schemeClr val="accent1">
+                    <a:lumMod val="75000"/>
+                  </a:schemeClr>
+                </a:solidFill>
+              </a:rPr>
+              <a:t>conocimiento del </a:t>
+            </a:r>
+            <a:r>
+              <a:rPr lang="es-ES" sz="2000" b="1" dirty="0" err="1" smtClean="0">
+                <a:solidFill>
+                  <a:schemeClr val="accent1">
+                    <a:lumMod val="75000"/>
+                  </a:schemeClr>
+                </a:solidFill>
+              </a:rPr>
               <a:t>dataset</a:t>
             </a:r>
             <a:r>
+              <a:rPr lang="es-ES" sz="2000" b="1" dirty="0" smtClean="0">
+                <a:solidFill>
+                  <a:schemeClr val="accent1">
+                    <a:lumMod val="75000"/>
+                  </a:schemeClr>
+                </a:solidFill>
+              </a:rPr>
+              <a:t> </a:t>
+            </a:r>
+            <a:r>
               <a:rPr lang="es-ES" sz="2000" dirty="0" smtClean="0"/>
-              <a:t> de GMS para crear nuevas métricas que ayuden a definir mejor a los usuarios.</a:t>
-            </a:r>
-          </a:p>
-          <a:p>
-            <a:r>
-              <a:rPr lang="es-ES" sz="2000" b="1" dirty="0" smtClean="0"/>
+              <a:t>de </a:t>
+            </a:r>
+            <a:r>
+              <a:rPr lang="es-ES" sz="2000" dirty="0" smtClean="0"/>
+              <a:t>GMS para crear nuevas métricas que ayuden a definir mejor a los usuarios</a:t>
+            </a:r>
+            <a:r>
+              <a:rPr lang="es-ES" sz="2000" dirty="0" smtClean="0"/>
+              <a:t>.</a:t>
+            </a:r>
+            <a:endParaRPr lang="es-ES" sz="2000" dirty="0" smtClean="0"/>
+          </a:p>
+          <a:p>
+            <a:r>
+              <a:rPr lang="es-ES" sz="2000" b="1" dirty="0" smtClean="0">
+                <a:solidFill>
+                  <a:schemeClr val="accent1">
+                    <a:lumMod val="75000"/>
+                  </a:schemeClr>
+                </a:solidFill>
+              </a:rPr>
               <a:t>Aumentar métricas calculadas + Disminuir </a:t>
             </a:r>
             <a:r>
-              <a:rPr lang="es-ES" sz="2000" b="1" dirty="0" err="1" smtClean="0"/>
+              <a:rPr lang="es-ES" sz="2000" b="1" dirty="0" err="1" smtClean="0">
+                <a:solidFill>
+                  <a:schemeClr val="accent1">
+                    <a:lumMod val="75000"/>
+                  </a:schemeClr>
+                </a:solidFill>
+              </a:rPr>
               <a:t>dimensionalidad</a:t>
             </a:r>
-            <a:endParaRPr lang="es-ES" sz="1400" b="1" dirty="0" smtClean="0"/>
-          </a:p>
-          <a:p>
-            <a:pPr lvl="1"/>
-            <a:endParaRPr lang="es-ES" dirty="0" smtClean="0"/>
-          </a:p>
-          <a:p>
-            <a:pPr marL="457200" lvl="1" indent="0">
-              <a:buNone/>
-            </a:pPr>
-            <a:endParaRPr lang="es-ES" dirty="0" smtClean="0"/>
-          </a:p>
-          <a:p>
-            <a:pPr marL="457200" lvl="1" indent="0">
-              <a:buNone/>
-            </a:pPr>
-            <a:endParaRPr lang="es-ES" dirty="0" smtClean="0"/>
-          </a:p>
-        </p:txBody>
-      </p:sp>
+            <a:endParaRPr lang="es-ES" sz="1400" b="1" dirty="0" smtClean="0">
+              <a:solidFill>
+                <a:schemeClr val="accent1">
+                  <a:lumMod val="75000"/>
+                </a:schemeClr>
+              </a:solidFill>
+            </a:endParaRPr>
+          </a:p>
+        </p:txBody>
+      </p:sp>
+      <p:cxnSp>
+        <p:nvCxnSpPr>
+          <p:cNvPr id="4" name="Conector recto 3"/>
+          <p:cNvCxnSpPr/>
+          <p:nvPr/>
+        </p:nvCxnSpPr>
+        <p:spPr>
+          <a:xfrm>
+            <a:off x="838200" y="1563688"/>
+            <a:ext cx="10668000" cy="0"/>
+          </a:xfrm>
+          <a:prstGeom prst="line">
+            <a:avLst/>
+          </a:prstGeom>
+          <a:ln>
+            <a:solidFill>
+              <a:schemeClr val="accent1">
+                <a:lumMod val="40000"/>
+                <a:lumOff val="60000"/>
+              </a:schemeClr>
+            </a:solidFill>
+          </a:ln>
+        </p:spPr>
+        <p:style>
+          <a:lnRef idx="1">
+            <a:schemeClr val="accent1"/>
+          </a:lnRef>
+          <a:fillRef idx="0">
+            <a:schemeClr val="accent1"/>
+          </a:fillRef>
+          <a:effectRef idx="0">
+            <a:schemeClr val="accent1"/>
+          </a:effectRef>
+          <a:fontRef idx="minor">
+            <a:schemeClr val="tx1"/>
+          </a:fontRef>
+        </p:style>
+      </p:cxnSp>
     </p:spTree>
     <p:extLst>
       <p:ext uri="{BB962C8B-B14F-4D97-AF65-F5344CB8AC3E}">
@@ -6183,6 +6571,14 @@
 <file path=ppt/slides/slide3.xml><?xml version="1.0" encoding="utf-8"?>
 <p:sld xmlns:a="http://schemas.openxmlformats.org/drawingml/2006/main" xmlns:r="http://schemas.openxmlformats.org/officeDocument/2006/relationships" xmlns:p="http://schemas.openxmlformats.org/presentationml/2006/main">
   <p:cSld>
+    <p:bg>
+      <p:bgPr>
+        <a:solidFill>
+          <a:schemeClr val="bg1"/>
+        </a:solidFill>
+        <a:effectLst/>
+      </p:bgPr>
+    </p:bg>
     <p:spTree>
       <p:nvGrpSpPr>
         <p:cNvPr id="1" name=""/>
@@ -6318,7 +6714,7 @@
         </p:nvSpPr>
         <p:spPr>
           <a:xfrm>
-            <a:off x="836852" y="4300429"/>
+            <a:off x="836852" y="4376629"/>
             <a:ext cx="10207428" cy="1281717"/>
           </a:xfrm>
           <a:prstGeom prst="rect">
@@ -6520,6 +6916,82 @@
           </a:p>
         </p:txBody>
       </p:sp>
+      <p:cxnSp>
+        <p:nvCxnSpPr>
+          <p:cNvPr id="6" name="Conector recto 5"/>
+          <p:cNvCxnSpPr/>
+          <p:nvPr/>
+        </p:nvCxnSpPr>
+        <p:spPr>
+          <a:xfrm>
+            <a:off x="838200" y="1563688"/>
+            <a:ext cx="10668000" cy="0"/>
+          </a:xfrm>
+          <a:prstGeom prst="line">
+            <a:avLst/>
+          </a:prstGeom>
+          <a:ln>
+            <a:solidFill>
+              <a:schemeClr val="accent1">
+                <a:lumMod val="40000"/>
+                <a:lumOff val="60000"/>
+              </a:schemeClr>
+            </a:solidFill>
+          </a:ln>
+        </p:spPr>
+        <p:style>
+          <a:lnRef idx="1">
+            <a:schemeClr val="accent1"/>
+          </a:lnRef>
+          <a:fillRef idx="0">
+            <a:schemeClr val="accent1"/>
+          </a:fillRef>
+          <a:effectRef idx="0">
+            <a:schemeClr val="accent1"/>
+          </a:effectRef>
+          <a:fontRef idx="minor">
+            <a:schemeClr val="tx1"/>
+          </a:fontRef>
+        </p:style>
+      </p:cxnSp>
+      <p:cxnSp>
+        <p:nvCxnSpPr>
+          <p:cNvPr id="7" name="Conector recto 6"/>
+          <p:cNvCxnSpPr/>
+          <p:nvPr/>
+        </p:nvCxnSpPr>
+        <p:spPr>
+          <a:xfrm>
+            <a:off x="838200" y="4154488"/>
+            <a:ext cx="10668000" cy="0"/>
+          </a:xfrm>
+          <a:prstGeom prst="line">
+            <a:avLst/>
+          </a:prstGeom>
+          <a:ln>
+            <a:solidFill>
+              <a:schemeClr val="accent1">
+                <a:lumMod val="40000"/>
+                <a:lumOff val="60000"/>
+              </a:schemeClr>
+            </a:solidFill>
+          </a:ln>
+        </p:spPr>
+        <p:style>
+          <a:lnRef idx="1">
+            <a:schemeClr val="accent1"/>
+          </a:lnRef>
+          <a:fillRef idx="0">
+            <a:schemeClr val="accent1"/>
+          </a:fillRef>
+          <a:effectRef idx="0">
+            <a:schemeClr val="accent1"/>
+          </a:effectRef>
+          <a:fontRef idx="minor">
+            <a:schemeClr val="tx1"/>
+          </a:fontRef>
+        </p:style>
+      </p:cxnSp>
     </p:spTree>
     <p:extLst>
       <p:ext uri="{BB962C8B-B14F-4D97-AF65-F5344CB8AC3E}">
@@ -6536,6 +7008,14 @@
 <file path=ppt/slides/slide4.xml><?xml version="1.0" encoding="utf-8"?>
 <p:sld xmlns:a="http://schemas.openxmlformats.org/drawingml/2006/main" xmlns:r="http://schemas.openxmlformats.org/officeDocument/2006/relationships" xmlns:p="http://schemas.openxmlformats.org/presentationml/2006/main">
   <p:cSld>
+    <p:bg>
+      <p:bgPr>
+        <a:solidFill>
+          <a:schemeClr val="bg1"/>
+        </a:solidFill>
+        <a:effectLst/>
+      </p:bgPr>
+    </p:bg>
     <p:spTree>
       <p:nvGrpSpPr>
         <p:cNvPr id="1" name=""/>
@@ -6603,6 +7083,44 @@
           </a:prstGeom>
         </p:spPr>
       </p:pic>
+      <p:cxnSp>
+        <p:nvCxnSpPr>
+          <p:cNvPr id="4" name="Conector recto 3"/>
+          <p:cNvCxnSpPr/>
+          <p:nvPr/>
+        </p:nvCxnSpPr>
+        <p:spPr>
+          <a:xfrm>
+            <a:off x="838200" y="1563688"/>
+            <a:ext cx="10668000" cy="0"/>
+          </a:xfrm>
+          <a:prstGeom prst="line">
+            <a:avLst/>
+          </a:prstGeom>
+          <a:ln>
+            <a:solidFill>
+              <a:schemeClr val="accent1">
+                <a:lumMod val="40000"/>
+                <a:lumOff val="60000"/>
+              </a:schemeClr>
+            </a:solidFill>
+          </a:ln>
+        </p:spPr>
+        <p:style>
+          <a:lnRef idx="1">
+            <a:schemeClr val="accent1"/>
+          </a:lnRef>
+          <a:fillRef idx="0">
+            <a:schemeClr val="accent1"/>
+          </a:fillRef>
+          <a:effectRef idx="0">
+            <a:schemeClr val="accent1"/>
+          </a:effectRef>
+          <a:fontRef idx="minor">
+            <a:schemeClr val="tx1"/>
+          </a:fontRef>
+        </p:style>
+      </p:cxnSp>
     </p:spTree>
     <p:extLst>
       <p:ext uri="{BB962C8B-B14F-4D97-AF65-F5344CB8AC3E}">
@@ -7024,6 +7542,44 @@
           </a:p>
         </p:txBody>
       </p:sp>
+      <p:cxnSp>
+        <p:nvCxnSpPr>
+          <p:cNvPr id="5" name="Conector recto 4"/>
+          <p:cNvCxnSpPr/>
+          <p:nvPr/>
+        </p:nvCxnSpPr>
+        <p:spPr>
+          <a:xfrm>
+            <a:off x="838200" y="1563688"/>
+            <a:ext cx="10668000" cy="0"/>
+          </a:xfrm>
+          <a:prstGeom prst="line">
+            <a:avLst/>
+          </a:prstGeom>
+          <a:ln>
+            <a:solidFill>
+              <a:schemeClr val="accent1">
+                <a:lumMod val="40000"/>
+                <a:lumOff val="60000"/>
+              </a:schemeClr>
+            </a:solidFill>
+          </a:ln>
+        </p:spPr>
+        <p:style>
+          <a:lnRef idx="1">
+            <a:schemeClr val="accent1"/>
+          </a:lnRef>
+          <a:fillRef idx="0">
+            <a:schemeClr val="accent1"/>
+          </a:fillRef>
+          <a:effectRef idx="0">
+            <a:schemeClr val="accent1"/>
+          </a:effectRef>
+          <a:fontRef idx="minor">
+            <a:schemeClr val="tx1"/>
+          </a:fontRef>
+        </p:style>
+      </p:cxnSp>
     </p:spTree>
     <p:extLst>
       <p:ext uri="{BB962C8B-B14F-4D97-AF65-F5344CB8AC3E}">
@@ -7143,7 +7699,6 @@
               <a:rPr lang="es-ES" sz="1400" dirty="0" smtClean="0"/>
               <a:t>- Predice 60 % de cobros porque siempre predice que el usuario va a ser cobrado 100% recall</a:t>
             </a:r>
-            <a:endParaRPr lang="es-ES" sz="1400" dirty="0" smtClean="0"/>
           </a:p>
         </p:txBody>
       </p:sp>
@@ -7604,6 +8159,44 @@
           </a:p>
         </p:txBody>
       </p:sp>
+      <p:cxnSp>
+        <p:nvCxnSpPr>
+          <p:cNvPr id="5" name="Conector recto 4"/>
+          <p:cNvCxnSpPr/>
+          <p:nvPr/>
+        </p:nvCxnSpPr>
+        <p:spPr>
+          <a:xfrm>
+            <a:off x="838200" y="1563688"/>
+            <a:ext cx="10668000" cy="0"/>
+          </a:xfrm>
+          <a:prstGeom prst="line">
+            <a:avLst/>
+          </a:prstGeom>
+          <a:ln>
+            <a:solidFill>
+              <a:schemeClr val="accent1">
+                <a:lumMod val="40000"/>
+                <a:lumOff val="60000"/>
+              </a:schemeClr>
+            </a:solidFill>
+          </a:ln>
+        </p:spPr>
+        <p:style>
+          <a:lnRef idx="1">
+            <a:schemeClr val="accent1"/>
+          </a:lnRef>
+          <a:fillRef idx="0">
+            <a:schemeClr val="accent1"/>
+          </a:fillRef>
+          <a:effectRef idx="0">
+            <a:schemeClr val="accent1"/>
+          </a:effectRef>
+          <a:fontRef idx="minor">
+            <a:schemeClr val="tx1"/>
+          </a:fontRef>
+        </p:style>
+      </p:cxnSp>
     </p:spTree>
     <p:extLst>
       <p:ext uri="{BB962C8B-B14F-4D97-AF65-F5344CB8AC3E}">
@@ -7688,7 +8281,6 @@
               <a:rPr lang="es-ES" sz="1400" dirty="0" smtClean="0"/>
               <a:t>- Predice 57 % de cobros porque siempre predice que el usuario va a ser cobrado 100% recall (también)</a:t>
             </a:r>
-            <a:endParaRPr lang="es-ES" sz="1400" dirty="0" smtClean="0"/>
           </a:p>
         </p:txBody>
       </p:sp>
